--- a/AVMS_predstavitev.pptx
+++ b/AVMS_predstavitev.pptx
@@ -269,7 +269,7 @@
           <a:p>
             <a:fld id="{13C38851-47D8-C140-B45E-C0AC9B173324}" type="datetimeFigureOut">
               <a:rPr lang="en-SI" smtClean="0"/>
-              <a:t>23/05/2024</a:t>
+              <a:t>24/05/2024</a:t>
             </a:fld>
             <a:endParaRPr lang="en-SI"/>
           </a:p>
@@ -469,7 +469,7 @@
           <a:p>
             <a:fld id="{13C38851-47D8-C140-B45E-C0AC9B173324}" type="datetimeFigureOut">
               <a:rPr lang="en-SI" smtClean="0"/>
-              <a:t>23/05/2024</a:t>
+              <a:t>24/05/2024</a:t>
             </a:fld>
             <a:endParaRPr lang="en-SI"/>
           </a:p>
@@ -679,7 +679,7 @@
           <a:p>
             <a:fld id="{13C38851-47D8-C140-B45E-C0AC9B173324}" type="datetimeFigureOut">
               <a:rPr lang="en-SI" smtClean="0"/>
-              <a:t>23/05/2024</a:t>
+              <a:t>24/05/2024</a:t>
             </a:fld>
             <a:endParaRPr lang="en-SI"/>
           </a:p>
@@ -879,7 +879,7 @@
           <a:p>
             <a:fld id="{13C38851-47D8-C140-B45E-C0AC9B173324}" type="datetimeFigureOut">
               <a:rPr lang="en-SI" smtClean="0"/>
-              <a:t>23/05/2024</a:t>
+              <a:t>24/05/2024</a:t>
             </a:fld>
             <a:endParaRPr lang="en-SI"/>
           </a:p>
@@ -1155,7 +1155,7 @@
           <a:p>
             <a:fld id="{13C38851-47D8-C140-B45E-C0AC9B173324}" type="datetimeFigureOut">
               <a:rPr lang="en-SI" smtClean="0"/>
-              <a:t>23/05/2024</a:t>
+              <a:t>24/05/2024</a:t>
             </a:fld>
             <a:endParaRPr lang="en-SI"/>
           </a:p>
@@ -1423,7 +1423,7 @@
           <a:p>
             <a:fld id="{13C38851-47D8-C140-B45E-C0AC9B173324}" type="datetimeFigureOut">
               <a:rPr lang="en-SI" smtClean="0"/>
-              <a:t>23/05/2024</a:t>
+              <a:t>24/05/2024</a:t>
             </a:fld>
             <a:endParaRPr lang="en-SI"/>
           </a:p>
@@ -1838,7 +1838,7 @@
           <a:p>
             <a:fld id="{13C38851-47D8-C140-B45E-C0AC9B173324}" type="datetimeFigureOut">
               <a:rPr lang="en-SI" smtClean="0"/>
-              <a:t>23/05/2024</a:t>
+              <a:t>24/05/2024</a:t>
             </a:fld>
             <a:endParaRPr lang="en-SI"/>
           </a:p>
@@ -1980,7 +1980,7 @@
           <a:p>
             <a:fld id="{13C38851-47D8-C140-B45E-C0AC9B173324}" type="datetimeFigureOut">
               <a:rPr lang="en-SI" smtClean="0"/>
-              <a:t>23/05/2024</a:t>
+              <a:t>24/05/2024</a:t>
             </a:fld>
             <a:endParaRPr lang="en-SI"/>
           </a:p>
@@ -2093,7 +2093,7 @@
           <a:p>
             <a:fld id="{13C38851-47D8-C140-B45E-C0AC9B173324}" type="datetimeFigureOut">
               <a:rPr lang="en-SI" smtClean="0"/>
-              <a:t>23/05/2024</a:t>
+              <a:t>24/05/2024</a:t>
             </a:fld>
             <a:endParaRPr lang="en-SI"/>
           </a:p>
@@ -2406,7 +2406,7 @@
           <a:p>
             <a:fld id="{13C38851-47D8-C140-B45E-C0AC9B173324}" type="datetimeFigureOut">
               <a:rPr lang="en-SI" smtClean="0"/>
-              <a:t>23/05/2024</a:t>
+              <a:t>24/05/2024</a:t>
             </a:fld>
             <a:endParaRPr lang="en-SI"/>
           </a:p>
@@ -2695,7 +2695,7 @@
           <a:p>
             <a:fld id="{13C38851-47D8-C140-B45E-C0AC9B173324}" type="datetimeFigureOut">
               <a:rPr lang="en-SI" smtClean="0"/>
-              <a:t>23/05/2024</a:t>
+              <a:t>24/05/2024</a:t>
             </a:fld>
             <a:endParaRPr lang="en-SI"/>
           </a:p>
@@ -2938,7 +2938,7 @@
           <a:p>
             <a:fld id="{13C38851-47D8-C140-B45E-C0AC9B173324}" type="datetimeFigureOut">
               <a:rPr lang="en-SI" smtClean="0"/>
-              <a:t>23/05/2024</a:t>
+              <a:t>24/05/2024</a:t>
             </a:fld>
             <a:endParaRPr lang="en-SI"/>
           </a:p>
@@ -5086,13 +5086,26 @@
           <a:p>
             <a:r>
               <a:rPr lang="en-SI" sz="2400" dirty="0"/>
-              <a:t>Infrardeča kamera, meri od -50 do 1000</a:t>
-            </a:r>
-          </a:p>
-          <a:p>
+              <a:t>Infrardeča kamera, meri od -50</a:t>
+            </a:r>
+            <a:r>
+              <a:rPr lang="sl-SI" sz="2400" dirty="0"/>
+              <a:t>°C</a:t>
+            </a:r>
             <a:r>
               <a:rPr lang="en-SI" sz="2400" dirty="0"/>
-              <a:t>Zaznava spekter valovanja 8 do 13 um</a:t>
+              <a:t> do 1000</a:t>
+            </a:r>
+            <a:r>
+              <a:rPr lang="sl-SI" sz="2400" dirty="0"/>
+              <a:t>°C</a:t>
+            </a:r>
+            <a:endParaRPr lang="en-SI" sz="2400" dirty="0"/>
+          </a:p>
+          <a:p>
+            <a:r>
+              <a:rPr lang="en-SI" sz="2400" dirty="0"/>
+              <a:t>Zaznava spekter valovanja 8 do 13 µm</a:t>
             </a:r>
           </a:p>
           <a:p>
@@ -5207,7 +5220,7 @@
         </p:blipFill>
         <p:spPr bwMode="auto">
           <a:xfrm>
-            <a:off x="6835995" y="3067903"/>
+            <a:off x="7039195" y="3067903"/>
             <a:ext cx="3779618" cy="2830551"/>
           </a:xfrm>
           <a:prstGeom prst="rect">
@@ -5615,24 +5628,94 @@
           <a:lstStyle/>
           <a:p>
             <a:r>
-              <a:rPr lang="en-SI" sz="2000"/>
-              <a:t>Infrardeči kalibrator za kalibracijo infrardečih merilnikov</a:t>
-            </a:r>
-          </a:p>
-          <a:p>
-            <a:r>
-              <a:rPr lang="en-SI" sz="2000"/>
-              <a:t>Delovno območje od 35 do 500 stopinj</a:t>
-            </a:r>
-          </a:p>
-          <a:p>
-            <a:r>
-              <a:rPr lang="en-SI" sz="2000"/>
-              <a:t>Komunikacija preko RS232</a:t>
-            </a:r>
-          </a:p>
-          <a:p>
-            <a:endParaRPr lang="en-SI" sz="2000"/>
+              <a:rPr lang="en-SI" sz="2000" dirty="0" err="1"/>
+              <a:t>Infrardeči</a:t>
+            </a:r>
+            <a:r>
+              <a:rPr lang="en-SI" sz="2000" dirty="0"/>
+              <a:t> </a:t>
+            </a:r>
+            <a:r>
+              <a:rPr lang="en-SI" sz="2000" dirty="0" err="1"/>
+              <a:t>kalibrator</a:t>
+            </a:r>
+            <a:r>
+              <a:rPr lang="en-SI" sz="2000" dirty="0"/>
+              <a:t> za </a:t>
+            </a:r>
+            <a:r>
+              <a:rPr lang="en-SI" sz="2000" dirty="0" err="1"/>
+              <a:t>kalibracijo</a:t>
+            </a:r>
+            <a:r>
+              <a:rPr lang="en-SI" sz="2000" dirty="0"/>
+              <a:t> </a:t>
+            </a:r>
+            <a:r>
+              <a:rPr lang="en-SI" sz="2000" dirty="0" err="1"/>
+              <a:t>infrardečih</a:t>
+            </a:r>
+            <a:r>
+              <a:rPr lang="en-SI" sz="2000" dirty="0"/>
+              <a:t> </a:t>
+            </a:r>
+            <a:r>
+              <a:rPr lang="en-SI" sz="2000" dirty="0" err="1"/>
+              <a:t>merilnikov</a:t>
+            </a:r>
+            <a:endParaRPr lang="en-SI" sz="2000" dirty="0"/>
+          </a:p>
+          <a:p>
+            <a:r>
+              <a:rPr lang="en-SI" sz="2000" dirty="0" err="1"/>
+              <a:t>Delovno</a:t>
+            </a:r>
+            <a:r>
+              <a:rPr lang="en-SI" sz="2000" dirty="0"/>
+              <a:t> </a:t>
+            </a:r>
+            <a:r>
+              <a:rPr lang="en-SI" sz="2000" dirty="0" err="1"/>
+              <a:t>območje</a:t>
+            </a:r>
+            <a:r>
+              <a:rPr lang="en-SI" sz="2000" dirty="0"/>
+              <a:t> od 35</a:t>
+            </a:r>
+            <a:r>
+              <a:rPr lang="sl-SI" sz="2000" dirty="0"/>
+              <a:t>°C</a:t>
+            </a:r>
+            <a:r>
+              <a:rPr lang="en-SI" sz="2000" dirty="0"/>
+              <a:t> do 500</a:t>
+            </a:r>
+            <a:r>
+              <a:rPr lang="sl-SI" sz="2000" dirty="0"/>
+              <a:t>°C</a:t>
+            </a:r>
+            <a:endParaRPr lang="en-SI" sz="2000" dirty="0"/>
+          </a:p>
+          <a:p>
+            <a:r>
+              <a:rPr lang="en-SI" sz="2000" dirty="0" err="1"/>
+              <a:t>Komunikacija</a:t>
+            </a:r>
+            <a:r>
+              <a:rPr lang="en-SI" sz="2000" dirty="0"/>
+              <a:t> </a:t>
+            </a:r>
+            <a:r>
+              <a:rPr lang="en-SI" sz="2000" dirty="0" err="1"/>
+              <a:t>preko</a:t>
+            </a:r>
+            <a:r>
+              <a:rPr lang="en-SI" sz="2000" dirty="0"/>
+              <a:t> RS232</a:t>
+            </a:r>
+          </a:p>
+          <a:p>
+            <a:endParaRPr lang="en-SI" sz="2000" dirty="0"/>
           </a:p>
         </p:txBody>
       </p:sp>
